--- a/ppt/portfolio-kit.pptx
+++ b/ppt/portfolio-kit.pptx
@@ -14,6 +14,7 @@
     <p:sldId id="267" r:id="rId11"/>
     <p:sldId id="268" r:id="rId12"/>
     <p:sldId id="269" r:id="rId13"/>
+    <p:sldId id="270" r:id="rId14"/>
   </p:sldIdLst>
   <p:sldSz cx="12192000" cy="6858000"/>
   <p:notesSz cx="6858000" cy="9144000"/>
@@ -4250,6 +4251,115 @@
 </p:sld>
 </file>
 
+<file path=ppt/slides/slide10.xml><?xml version="1.0" encoding="utf-8"?>
+<p:sld xmlns:a="http://schemas.openxmlformats.org/drawingml/2006/main" xmlns:r="http://schemas.openxmlformats.org/officeDocument/2006/relationships" xmlns:p="http://schemas.openxmlformats.org/presentationml/2006/main">
+  <p:cSld>
+    <p:spTree>
+      <p:nvGrpSpPr>
+        <p:cNvPr id="1" name=""/>
+        <p:cNvGrpSpPr/>
+        <p:nvPr/>
+      </p:nvGrpSpPr>
+      <p:grpSpPr>
+        <a:xfrm>
+          <a:off x="0" y="0"/>
+          <a:ext cx="0" cy="0"/>
+          <a:chOff x="0" y="0"/>
+          <a:chExt cx="0" cy="0"/>
+        </a:xfrm>
+      </p:grpSpPr>
+      <p:sp>
+        <p:nvSpPr>
+          <p:cNvPr id="2" name="Title 1">
+            <a:extLst>
+              <a:ext uri="{FF2B5EF4-FFF2-40B4-BE49-F238E27FC236}">
+                <a16:creationId xmlns:a16="http://schemas.microsoft.com/office/drawing/2014/main" id="{426AB08A-E0DB-4CC4-AA05-53172A7ACB77}"/>
+              </a:ext>
+            </a:extLst>
+          </p:cNvPr>
+          <p:cNvSpPr>
+            <a:spLocks noGrp="1"/>
+          </p:cNvSpPr>
+          <p:nvPr>
+            <p:ph type="title"/>
+          </p:nvPr>
+        </p:nvSpPr>
+        <p:spPr/>
+        <p:txBody>
+          <a:bodyPr/>
+          <a:lstStyle/>
+          <a:p>
+            <a:r>
+              <a:rPr lang="en-AU" dirty="0"/>
+              <a:t>Links</a:t>
+            </a:r>
+          </a:p>
+        </p:txBody>
+      </p:sp>
+      <p:sp>
+        <p:nvSpPr>
+          <p:cNvPr id="3" name="Content Placeholder 2">
+            <a:extLst>
+              <a:ext uri="{FF2B5EF4-FFF2-40B4-BE49-F238E27FC236}">
+                <a16:creationId xmlns:a16="http://schemas.microsoft.com/office/drawing/2014/main" id="{94BD9E23-A596-4225-805D-F6A5F8F8DA93}"/>
+              </a:ext>
+            </a:extLst>
+          </p:cNvPr>
+          <p:cNvSpPr>
+            <a:spLocks noGrp="1"/>
+          </p:cNvSpPr>
+          <p:nvPr>
+            <p:ph sz="half" idx="1"/>
+          </p:nvPr>
+        </p:nvSpPr>
+        <p:spPr>
+          <a:xfrm>
+            <a:off x="1066799" y="2103120"/>
+            <a:ext cx="9897611" cy="2494047"/>
+          </a:xfrm>
+        </p:spPr>
+        <p:txBody>
+          <a:bodyPr/>
+          <a:lstStyle/>
+          <a:p>
+            <a:r>
+              <a:rPr lang="en-AU" dirty="0">
+                <a:hlinkClick r:id="rId2"/>
+              </a:rPr>
+              <a:t>https://kittimataet.netlify.app/</a:t>
+            </a:r>
+            <a:endParaRPr lang="en-AU" dirty="0"/>
+          </a:p>
+          <a:p>
+            <a:endParaRPr lang="en-AU" dirty="0"/>
+          </a:p>
+          <a:p>
+            <a:endParaRPr lang="en-AU" dirty="0"/>
+          </a:p>
+          <a:p>
+            <a:r>
+              <a:rPr lang="en-AU" dirty="0">
+                <a:hlinkClick r:id="rId3"/>
+              </a:rPr>
+              <a:t>https://github.com/kit-taet/portfolio-kit</a:t>
+            </a:r>
+            <a:endParaRPr lang="en-AU" dirty="0"/>
+          </a:p>
+        </p:txBody>
+      </p:sp>
+    </p:spTree>
+    <p:extLst>
+      <p:ext uri="{BB962C8B-B14F-4D97-AF65-F5344CB8AC3E}">
+        <p14:creationId xmlns:p14="http://schemas.microsoft.com/office/powerpoint/2010/main" val="2924406605"/>
+      </p:ext>
+    </p:extLst>
+  </p:cSld>
+  <p:clrMapOvr>
+    <a:masterClrMapping/>
+  </p:clrMapOvr>
+</p:sld>
+</file>
+
 <file path=ppt/slides/slide2.xml><?xml version="1.0" encoding="utf-8"?>
 <p:sld xmlns:a="http://schemas.openxmlformats.org/drawingml/2006/main" xmlns:r="http://schemas.openxmlformats.org/officeDocument/2006/relationships" xmlns:p="http://schemas.openxmlformats.org/presentationml/2006/main">
   <p:cSld>
@@ -5272,24 +5382,6 @@
 </file>
 
 <file path=customXml/item1.xml><?xml version="1.0" encoding="utf-8"?>
-<p:properties xmlns:p="http://schemas.microsoft.com/office/2006/metadata/properties" xmlns:xsi="http://www.w3.org/2001/XMLSchema-instance" xmlns:pc="http://schemas.microsoft.com/office/infopath/2007/PartnerControls">
-  <documentManagement>
-    <Status xmlns="71af3243-3dd4-4a8d-8c0d-dd76da1f02a5">Not started</Status>
-    <MediaServiceKeyPoints xmlns="71af3243-3dd4-4a8d-8c0d-dd76da1f02a5" xsi:nil="true"/>
-  </documentManagement>
-</p:properties>
-</file>
-
-<file path=customXml/item2.xml><?xml version="1.0" encoding="utf-8"?>
-<?mso-contentType ?>
-<FormTemplates xmlns="http://schemas.microsoft.com/sharepoint/v3/contenttype/forms">
-  <Display>DocumentLibraryForm</Display>
-  <Edit>DocumentLibraryForm</Edit>
-  <New>DocumentLibraryForm</New>
-</FormTemplates>
-</file>
-
-<file path=customXml/item3.xml><?xml version="1.0" encoding="utf-8"?>
 <ct:contentTypeSchema xmlns:ct="http://schemas.microsoft.com/office/2006/metadata/contentType" xmlns:ma="http://schemas.microsoft.com/office/2006/metadata/properties/metaAttributes" ct:_="" ma:_="" ma:contentTypeName="Document" ma:contentTypeID="0x01010079F111ED35F8CC479449609E8A0923A6" ma:contentTypeVersion="12" ma:contentTypeDescription="Create a new document." ma:contentTypeScope="" ma:versionID="a410dd7f93c95333ffa1b60ed6adedd1">
   <xsd:schema xmlns:xsd="http://www.w3.org/2001/XMLSchema" xmlns:xs="http://www.w3.org/2001/XMLSchema" xmlns:p="http://schemas.microsoft.com/office/2006/metadata/properties" xmlns:ns2="71af3243-3dd4-4a8d-8c0d-dd76da1f02a5" xmlns:ns3="16c05727-aa75-4e4a-9b5f-8a80a1165891" targetNamespace="http://schemas.microsoft.com/office/2006/metadata/properties" ma:root="true" ma:fieldsID="a936d9baba76aa3866493feff160faab" ns2:_="" ns3:_="">
     <xsd:import namespace="71af3243-3dd4-4a8d-8c0d-dd76da1f02a5"/>
@@ -5510,25 +5602,25 @@
 </ct:contentTypeSchema>
 </file>
 
-<file path=customXml/itemProps1.xml><?xml version="1.0" encoding="utf-8"?>
-<ds:datastoreItem xmlns:ds="http://schemas.openxmlformats.org/officeDocument/2006/customXml" ds:itemID="{137651BA-F45C-4845-9AB3-E0A65B39F5E1}">
-  <ds:schemaRefs>
-    <ds:schemaRef ds:uri="http://schemas.microsoft.com/office/2006/metadata/properties"/>
-    <ds:schemaRef ds:uri="http://schemas.microsoft.com/office/infopath/2007/PartnerControls"/>
-    <ds:schemaRef ds:uri="71af3243-3dd4-4a8d-8c0d-dd76da1f02a5"/>
-  </ds:schemaRefs>
-</ds:datastoreItem>
+<file path=customXml/item2.xml><?xml version="1.0" encoding="utf-8"?>
+<?mso-contentType ?>
+<FormTemplates xmlns="http://schemas.microsoft.com/sharepoint/v3/contenttype/forms">
+  <Display>DocumentLibraryForm</Display>
+  <Edit>DocumentLibraryForm</Edit>
+  <New>DocumentLibraryForm</New>
+</FormTemplates>
 </file>
 
-<file path=customXml/itemProps2.xml><?xml version="1.0" encoding="utf-8"?>
-<ds:datastoreItem xmlns:ds="http://schemas.openxmlformats.org/officeDocument/2006/customXml" ds:itemID="{CDB58277-F8DF-46FF-84EC-EF41B835E69F}">
-  <ds:schemaRefs>
-    <ds:schemaRef ds:uri="http://schemas.microsoft.com/sharepoint/v3/contenttype/forms"/>
-  </ds:schemaRefs>
-</ds:datastoreItem>
+<file path=customXml/item3.xml><?xml version="1.0" encoding="utf-8"?>
+<p:properties xmlns:p="http://schemas.microsoft.com/office/2006/metadata/properties" xmlns:xsi="http://www.w3.org/2001/XMLSchema-instance" xmlns:pc="http://schemas.microsoft.com/office/infopath/2007/PartnerControls">
+  <documentManagement>
+    <Status xmlns="71af3243-3dd4-4a8d-8c0d-dd76da1f02a5">Not started</Status>
+    <MediaServiceKeyPoints xmlns="71af3243-3dd4-4a8d-8c0d-dd76da1f02a5" xsi:nil="true"/>
+  </documentManagement>
+</p:properties>
 </file>
 
-<file path=customXml/itemProps3.xml><?xml version="1.0" encoding="utf-8"?>
+<file path=customXml/itemProps1.xml><?xml version="1.0" encoding="utf-8"?>
 <ds:datastoreItem xmlns:ds="http://schemas.openxmlformats.org/officeDocument/2006/customXml" ds:itemID="{2D276E62-80A3-44DD-9BCC-97ED2B99B57F}">
   <ds:schemaRefs>
     <ds:schemaRef ds:uri="http://schemas.microsoft.com/office/2006/metadata/contentType"/>
@@ -5545,4 +5637,22 @@
     <ds:schemaRef ds:uri="http://schemas.microsoft.com/internal/obd"/>
   </ds:schemaRefs>
 </ds:datastoreItem>
+</file>
+
+<file path=customXml/itemProps2.xml><?xml version="1.0" encoding="utf-8"?>
+<ds:datastoreItem xmlns:ds="http://schemas.openxmlformats.org/officeDocument/2006/customXml" ds:itemID="{CDB58277-F8DF-46FF-84EC-EF41B835E69F}">
+  <ds:schemaRefs>
+    <ds:schemaRef ds:uri="http://schemas.microsoft.com/sharepoint/v3/contenttype/forms"/>
+  </ds:schemaRefs>
+</ds:datastoreItem>
+</file>
+
+<file path=customXml/itemProps3.xml><?xml version="1.0" encoding="utf-8"?>
+<ds:datastoreItem xmlns:ds="http://schemas.openxmlformats.org/officeDocument/2006/customXml" ds:itemID="{137651BA-F45C-4845-9AB3-E0A65B39F5E1}">
+  <ds:schemaRefs>
+    <ds:schemaRef ds:uri="http://schemas.microsoft.com/office/2006/metadata/properties"/>
+    <ds:schemaRef ds:uri="http://schemas.microsoft.com/office/infopath/2007/PartnerControls"/>
+    <ds:schemaRef ds:uri="71af3243-3dd4-4a8d-8c0d-dd76da1f02a5"/>
+  </ds:schemaRefs>
+</ds:datastoreItem>
 </file>